--- a/doc/capstonefinalpresentation.pptx
+++ b/doc/capstonefinalpresentation.pptx
@@ -267,7 +267,7 @@
           <a:p>
             <a:fld id="{76969C88-B244-455D-A017-012B25B1ACDD}" type="datetimeFigureOut">
               <a:rPr lang="en-US" smtClean="0"/>
-              <a:t>8/4/2022</a:t>
+              <a:t>8/9/2022</a:t>
             </a:fld>
             <a:endParaRPr lang="en-US"/>
           </a:p>
@@ -465,7 +465,7 @@
           <a:p>
             <a:fld id="{76969C88-B244-455D-A017-012B25B1ACDD}" type="datetimeFigureOut">
               <a:rPr lang="en-US" smtClean="0"/>
-              <a:t>8/4/2022</a:t>
+              <a:t>8/9/2022</a:t>
             </a:fld>
             <a:endParaRPr lang="en-US"/>
           </a:p>
@@ -673,7 +673,7 @@
           <a:p>
             <a:fld id="{76969C88-B244-455D-A017-012B25B1ACDD}" type="datetimeFigureOut">
               <a:rPr lang="en-US" smtClean="0"/>
-              <a:t>8/4/2022</a:t>
+              <a:t>8/9/2022</a:t>
             </a:fld>
             <a:endParaRPr lang="en-US"/>
           </a:p>
@@ -872,7 +872,7 @@
           <a:p>
             <a:fld id="{76969C88-B244-455D-A017-012B25B1ACDD}" type="datetimeFigureOut">
               <a:rPr lang="en-US" smtClean="0"/>
-              <a:t>8/4/2022</a:t>
+              <a:t>8/9/2022</a:t>
             </a:fld>
             <a:endParaRPr lang="en-US"/>
           </a:p>
@@ -1147,7 +1147,7 @@
           <a:p>
             <a:fld id="{76969C88-B244-455D-A017-012B25B1ACDD}" type="datetimeFigureOut">
               <a:rPr lang="en-US" smtClean="0"/>
-              <a:t>8/4/2022</a:t>
+              <a:t>8/9/2022</a:t>
             </a:fld>
             <a:endParaRPr lang="en-US"/>
           </a:p>
@@ -1412,7 +1412,7 @@
           <a:p>
             <a:fld id="{76969C88-B244-455D-A017-012B25B1ACDD}" type="datetimeFigureOut">
               <a:rPr lang="en-US" smtClean="0"/>
-              <a:t>8/4/2022</a:t>
+              <a:t>8/9/2022</a:t>
             </a:fld>
             <a:endParaRPr lang="en-US"/>
           </a:p>
@@ -1824,7 +1824,7 @@
           <a:p>
             <a:fld id="{76969C88-B244-455D-A017-012B25B1ACDD}" type="datetimeFigureOut">
               <a:rPr lang="en-US" smtClean="0"/>
-              <a:t>8/4/2022</a:t>
+              <a:t>8/9/2022</a:t>
             </a:fld>
             <a:endParaRPr lang="en-US"/>
           </a:p>
@@ -1965,7 +1965,7 @@
           <a:p>
             <a:fld id="{76969C88-B244-455D-A017-012B25B1ACDD}" type="datetimeFigureOut">
               <a:rPr lang="en-US" smtClean="0"/>
-              <a:t>8/4/2022</a:t>
+              <a:t>8/9/2022</a:t>
             </a:fld>
             <a:endParaRPr lang="en-US"/>
           </a:p>
@@ -2078,7 +2078,7 @@
           <a:p>
             <a:fld id="{76969C88-B244-455D-A017-012B25B1ACDD}" type="datetimeFigureOut">
               <a:rPr lang="en-US" smtClean="0"/>
-              <a:t>8/4/2022</a:t>
+              <a:t>8/9/2022</a:t>
             </a:fld>
             <a:endParaRPr lang="en-US"/>
           </a:p>
@@ -2390,7 +2390,7 @@
           <a:p>
             <a:fld id="{76969C88-B244-455D-A017-012B25B1ACDD}" type="datetimeFigureOut">
               <a:rPr lang="en-US" smtClean="0"/>
-              <a:t>8/4/2022</a:t>
+              <a:t>8/9/2022</a:t>
             </a:fld>
             <a:endParaRPr lang="en-US"/>
           </a:p>
@@ -2681,7 +2681,7 @@
           <a:p>
             <a:fld id="{76969C88-B244-455D-A017-012B25B1ACDD}" type="datetimeFigureOut">
               <a:rPr lang="en-US" smtClean="0"/>
-              <a:t>8/4/2022</a:t>
+              <a:t>8/9/2022</a:t>
             </a:fld>
             <a:endParaRPr lang="en-US"/>
           </a:p>
@@ -3437,7 +3437,7 @@
             <a:fld id="{76969C88-B244-455D-A017-012B25B1ACDD}" type="datetimeFigureOut">
               <a:rPr lang="en-US" smtClean="0"/>
               <a:pPr/>
-              <a:t>8/4/2022</a:t>
+              <a:t>8/9/2022</a:t>
             </a:fld>
             <a:endParaRPr lang="en-US"/>
           </a:p>
@@ -4317,7 +4317,7 @@
             </a:pPr>
             <a:r>
               <a:rPr lang="en-CA" sz="2200" dirty="0"/>
-              <a:t>Team Member: Wenping Wang</a:t>
+              <a:t>Presented by: Wenping Wang</a:t>
             </a:r>
           </a:p>
           <a:p>
@@ -4343,12 +4343,8 @@
               </a:lnSpc>
             </a:pPr>
             <a:r>
-              <a:rPr lang="en-CA" sz="2200" dirty="0" err="1"/>
-              <a:t>Github</a:t>
-            </a:r>
-            <a:r>
               <a:rPr lang="en-CA" sz="2200" dirty="0"/>
-              <a:t> Link: </a:t>
+              <a:t>GitHub Link: </a:t>
             </a:r>
             <a:r>
               <a:rPr lang="en-CA" sz="2200" dirty="0">
@@ -4452,89 +4448,95 @@
         </p:nvSpPr>
         <p:spPr>
           <a:xfrm>
-            <a:off x="762000" y="1392573"/>
-            <a:ext cx="10668000" cy="4580388"/>
+            <a:off x="762000" y="1551962"/>
+            <a:ext cx="8507835" cy="4194495"/>
           </a:xfrm>
         </p:spPr>
         <p:txBody>
           <a:bodyPr>
-            <a:normAutofit fontScale="92500" lnSpcReduction="10000"/>
+            <a:normAutofit/>
           </a:bodyPr>
           <a:lstStyle/>
           <a:p>
-            <a:endParaRPr lang="en-CA" b="0" i="0" dirty="0">
+            <a:r>
+              <a:rPr lang="en-CA" sz="2000" dirty="0">
+                <a:solidFill>
+                  <a:schemeClr val="tx1"/>
+                </a:solidFill>
+                <a:latin typeface="Avenir Next LT Pro Light" panose="020B0604020202020204" pitchFamily="34" charset="0"/>
+                <a:cs typeface="Times New Roman" panose="02020603050405020304" pitchFamily="18" charset="0"/>
+              </a:rPr>
+              <a:t>Traditional smoke and heat detection method can not detect fire at early stage.</a:t>
+            </a:r>
+          </a:p>
+          <a:p>
+            <a:r>
+              <a:rPr lang="en-CA" sz="2000" dirty="0">
+                <a:solidFill>
+                  <a:schemeClr val="tx1"/>
+                </a:solidFill>
+                <a:latin typeface="Avenir Next LT Pro Light" panose="020B0604020202020204" pitchFamily="34" charset="0"/>
+                <a:cs typeface="Times New Roman" panose="02020603050405020304" pitchFamily="18" charset="0"/>
+              </a:rPr>
+              <a:t>Traditional fire detection not suitable for large space, complex building etc.</a:t>
+            </a:r>
+          </a:p>
+          <a:p>
+            <a:r>
+              <a:rPr lang="en-CA" sz="2000" dirty="0">
+                <a:solidFill>
+                  <a:schemeClr val="tx1"/>
+                </a:solidFill>
+                <a:latin typeface="Avenir Next LT Pro Light" panose="020B0604020202020204" pitchFamily="34" charset="0"/>
+                <a:cs typeface="Times New Roman" panose="02020603050405020304" pitchFamily="18" charset="0"/>
+              </a:rPr>
+              <a:t>Take long time to deployment and higher cost.</a:t>
+            </a:r>
+          </a:p>
+          <a:p>
+            <a:r>
+              <a:rPr lang="en-CA" sz="2000" dirty="0">
+                <a:solidFill>
+                  <a:schemeClr val="tx1"/>
+                </a:solidFill>
+                <a:latin typeface="Avenir Next LT Pro Light" panose="020B0604020202020204" pitchFamily="34" charset="0"/>
+                <a:cs typeface="Times New Roman" panose="02020603050405020304" pitchFamily="18" charset="0"/>
+              </a:rPr>
+              <a:t>AI camera can detect fire at early stage.</a:t>
+            </a:r>
+          </a:p>
+          <a:p>
+            <a:r>
+              <a:rPr lang="en-CA" sz="2000" dirty="0">
+                <a:solidFill>
+                  <a:schemeClr val="tx1"/>
+                </a:solidFill>
+                <a:latin typeface="Avenir Next LT Pro Light" panose="020B0604020202020204" pitchFamily="34" charset="0"/>
+                <a:cs typeface="Times New Roman" panose="02020603050405020304" pitchFamily="18" charset="0"/>
+              </a:rPr>
+              <a:t>AI camera can deploy quickly and at lower cost.</a:t>
+            </a:r>
+          </a:p>
+          <a:p>
+            <a:r>
+              <a:rPr lang="en-CA" sz="2000" dirty="0">
+                <a:solidFill>
+                  <a:schemeClr val="tx1"/>
+                </a:solidFill>
+                <a:latin typeface="Avenir Next LT Pro Light" panose="020B0604020202020204" pitchFamily="34" charset="0"/>
+                <a:cs typeface="Times New Roman" panose="02020603050405020304" pitchFamily="18" charset="0"/>
+              </a:rPr>
+              <a:t>AI detection model can be trained to suit complex places.</a:t>
+            </a:r>
+          </a:p>
+          <a:p>
+            <a:endParaRPr lang="en-CA" sz="2600" b="0" i="0" dirty="0">
               <a:solidFill>
                 <a:schemeClr val="tx1"/>
               </a:solidFill>
               <a:effectLst/>
               <a:latin typeface="-apple-system"/>
             </a:endParaRPr>
-          </a:p>
-          <a:p>
-            <a:r>
-              <a:rPr lang="en-CA" dirty="0">
-                <a:solidFill>
-                  <a:schemeClr val="tx1"/>
-                </a:solidFill>
-                <a:latin typeface="-apple-system"/>
-              </a:rPr>
-              <a:t>Traditional smoke and heat detection method can not detect fire at early stage.</a:t>
-            </a:r>
-          </a:p>
-          <a:p>
-            <a:r>
-              <a:rPr lang="en-CA" dirty="0">
-                <a:solidFill>
-                  <a:schemeClr val="tx1"/>
-                </a:solidFill>
-                <a:latin typeface="-apple-system"/>
-              </a:rPr>
-              <a:t>Traditional fire detection not suitable for large space, complex building etc.</a:t>
-            </a:r>
-          </a:p>
-          <a:p>
-            <a:r>
-              <a:rPr lang="en-CA" dirty="0">
-                <a:solidFill>
-                  <a:schemeClr val="tx1"/>
-                </a:solidFill>
-                <a:latin typeface="-apple-system"/>
-              </a:rPr>
-              <a:t>Take long time to deployment and higher cost.</a:t>
-            </a:r>
-          </a:p>
-          <a:p>
-            <a:r>
-              <a:rPr lang="en-CA" dirty="0">
-                <a:solidFill>
-                  <a:schemeClr val="tx1"/>
-                </a:solidFill>
-                <a:latin typeface="-apple-system"/>
-              </a:rPr>
-              <a:t>AI camera can detect fire at early stage.</a:t>
-            </a:r>
-          </a:p>
-          <a:p>
-            <a:r>
-              <a:rPr lang="en-CA" dirty="0">
-                <a:solidFill>
-                  <a:schemeClr val="tx1"/>
-                </a:solidFill>
-                <a:latin typeface="-apple-system"/>
-              </a:rPr>
-              <a:t>AI camera can deploy quickly and at lower cost.</a:t>
-            </a:r>
-          </a:p>
-          <a:p>
-            <a:r>
-              <a:rPr lang="en-CA" dirty="0">
-                <a:solidFill>
-                  <a:schemeClr val="tx1"/>
-                </a:solidFill>
-                <a:latin typeface="-apple-system"/>
-              </a:rPr>
-              <a:t>AI detection model can be trained to suit complex places.</a:t>
-            </a:r>
           </a:p>
           <a:p>
             <a:endParaRPr lang="en-CA" dirty="0">
@@ -4556,405 +4558,6 @@
   <p:clrMapOvr>
     <a:masterClrMapping/>
   </p:clrMapOvr>
-  <p:timing>
-    <p:tnLst>
-      <p:par>
-        <p:cTn id="1" dur="indefinite" restart="never" nodeType="tmRoot">
-          <p:childTnLst>
-            <p:seq concurrent="1" nextAc="seek">
-              <p:cTn id="2" dur="indefinite" nodeType="mainSeq">
-                <p:childTnLst>
-                  <p:par>
-                    <p:cTn id="3" fill="hold">
-                      <p:stCondLst>
-                        <p:cond delay="indefinite"/>
-                      </p:stCondLst>
-                      <p:childTnLst>
-                        <p:par>
-                          <p:cTn id="4" fill="hold">
-                            <p:stCondLst>
-                              <p:cond delay="0"/>
-                            </p:stCondLst>
-                            <p:childTnLst>
-                              <p:par>
-                                <p:cTn id="5" presetID="10" presetClass="entr" presetSubtype="0" fill="hold" grpId="0" nodeType="clickEffect">
-                                  <p:stCondLst>
-                                    <p:cond delay="0"/>
-                                  </p:stCondLst>
-                                  <p:childTnLst>
-                                    <p:set>
-                                      <p:cBhvr>
-                                        <p:cTn id="6" dur="1" fill="hold">
-                                          <p:stCondLst>
-                                            <p:cond delay="0"/>
-                                          </p:stCondLst>
-                                        </p:cTn>
-                                        <p:tgtEl>
-                                          <p:spTgt spid="3">
-                                            <p:txEl>
-                                              <p:pRg st="1" end="1"/>
-                                            </p:txEl>
-                                          </p:spTgt>
-                                        </p:tgtEl>
-                                        <p:attrNameLst>
-                                          <p:attrName>style.visibility</p:attrName>
-                                        </p:attrNameLst>
-                                      </p:cBhvr>
-                                      <p:to>
-                                        <p:strVal val="visible"/>
-                                      </p:to>
-                                    </p:set>
-                                    <p:animEffect transition="in" filter="fade">
-                                      <p:cBhvr>
-                                        <p:cTn id="7" dur="500"/>
-                                        <p:tgtEl>
-                                          <p:spTgt spid="3">
-                                            <p:txEl>
-                                              <p:pRg st="1" end="1"/>
-                                            </p:txEl>
-                                          </p:spTgt>
-                                        </p:tgtEl>
-                                      </p:cBhvr>
-                                    </p:animEffect>
-                                  </p:childTnLst>
-                                </p:cTn>
-                              </p:par>
-                            </p:childTnLst>
-                          </p:cTn>
-                        </p:par>
-                      </p:childTnLst>
-                    </p:cTn>
-                  </p:par>
-                  <p:par>
-                    <p:cTn id="8" fill="hold">
-                      <p:stCondLst>
-                        <p:cond delay="indefinite"/>
-                      </p:stCondLst>
-                      <p:childTnLst>
-                        <p:par>
-                          <p:cTn id="9" fill="hold">
-                            <p:stCondLst>
-                              <p:cond delay="0"/>
-                            </p:stCondLst>
-                            <p:childTnLst>
-                              <p:par>
-                                <p:cTn id="10" presetID="10" presetClass="entr" presetSubtype="0" fill="hold" grpId="0" nodeType="clickEffect">
-                                  <p:stCondLst>
-                                    <p:cond delay="0"/>
-                                  </p:stCondLst>
-                                  <p:childTnLst>
-                                    <p:set>
-                                      <p:cBhvr>
-                                        <p:cTn id="11" dur="1" fill="hold">
-                                          <p:stCondLst>
-                                            <p:cond delay="0"/>
-                                          </p:stCondLst>
-                                        </p:cTn>
-                                        <p:tgtEl>
-                                          <p:spTgt spid="3">
-                                            <p:txEl>
-                                              <p:pRg st="2" end="2"/>
-                                            </p:txEl>
-                                          </p:spTgt>
-                                        </p:tgtEl>
-                                        <p:attrNameLst>
-                                          <p:attrName>style.visibility</p:attrName>
-                                        </p:attrNameLst>
-                                      </p:cBhvr>
-                                      <p:to>
-                                        <p:strVal val="visible"/>
-                                      </p:to>
-                                    </p:set>
-                                    <p:animEffect transition="in" filter="fade">
-                                      <p:cBhvr>
-                                        <p:cTn id="12" dur="500"/>
-                                        <p:tgtEl>
-                                          <p:spTgt spid="3">
-                                            <p:txEl>
-                                              <p:pRg st="2" end="2"/>
-                                            </p:txEl>
-                                          </p:spTgt>
-                                        </p:tgtEl>
-                                      </p:cBhvr>
-                                    </p:animEffect>
-                                  </p:childTnLst>
-                                </p:cTn>
-                              </p:par>
-                            </p:childTnLst>
-                          </p:cTn>
-                        </p:par>
-                      </p:childTnLst>
-                    </p:cTn>
-                  </p:par>
-                  <p:par>
-                    <p:cTn id="13" fill="hold">
-                      <p:stCondLst>
-                        <p:cond delay="indefinite"/>
-                      </p:stCondLst>
-                      <p:childTnLst>
-                        <p:par>
-                          <p:cTn id="14" fill="hold">
-                            <p:stCondLst>
-                              <p:cond delay="0"/>
-                            </p:stCondLst>
-                            <p:childTnLst>
-                              <p:par>
-                                <p:cTn id="15" presetID="10" presetClass="entr" presetSubtype="0" fill="hold" grpId="0" nodeType="clickEffect">
-                                  <p:stCondLst>
-                                    <p:cond delay="0"/>
-                                  </p:stCondLst>
-                                  <p:childTnLst>
-                                    <p:set>
-                                      <p:cBhvr>
-                                        <p:cTn id="16" dur="1" fill="hold">
-                                          <p:stCondLst>
-                                            <p:cond delay="0"/>
-                                          </p:stCondLst>
-                                        </p:cTn>
-                                        <p:tgtEl>
-                                          <p:spTgt spid="3">
-                                            <p:txEl>
-                                              <p:pRg st="3" end="3"/>
-                                            </p:txEl>
-                                          </p:spTgt>
-                                        </p:tgtEl>
-                                        <p:attrNameLst>
-                                          <p:attrName>style.visibility</p:attrName>
-                                        </p:attrNameLst>
-                                      </p:cBhvr>
-                                      <p:to>
-                                        <p:strVal val="visible"/>
-                                      </p:to>
-                                    </p:set>
-                                    <p:animEffect transition="in" filter="fade">
-                                      <p:cBhvr>
-                                        <p:cTn id="17" dur="500"/>
-                                        <p:tgtEl>
-                                          <p:spTgt spid="3">
-                                            <p:txEl>
-                                              <p:pRg st="3" end="3"/>
-                                            </p:txEl>
-                                          </p:spTgt>
-                                        </p:tgtEl>
-                                      </p:cBhvr>
-                                    </p:animEffect>
-                                  </p:childTnLst>
-                                </p:cTn>
-                              </p:par>
-                            </p:childTnLst>
-                          </p:cTn>
-                        </p:par>
-                      </p:childTnLst>
-                    </p:cTn>
-                  </p:par>
-                  <p:par>
-                    <p:cTn id="18" fill="hold">
-                      <p:stCondLst>
-                        <p:cond delay="indefinite"/>
-                      </p:stCondLst>
-                      <p:childTnLst>
-                        <p:par>
-                          <p:cTn id="19" fill="hold">
-                            <p:stCondLst>
-                              <p:cond delay="0"/>
-                            </p:stCondLst>
-                            <p:childTnLst>
-                              <p:par>
-                                <p:cTn id="20" presetID="10" presetClass="entr" presetSubtype="0" fill="hold" grpId="0" nodeType="clickEffect">
-                                  <p:stCondLst>
-                                    <p:cond delay="0"/>
-                                  </p:stCondLst>
-                                  <p:childTnLst>
-                                    <p:set>
-                                      <p:cBhvr>
-                                        <p:cTn id="21" dur="1" fill="hold">
-                                          <p:stCondLst>
-                                            <p:cond delay="0"/>
-                                          </p:stCondLst>
-                                        </p:cTn>
-                                        <p:tgtEl>
-                                          <p:spTgt spid="3">
-                                            <p:txEl>
-                                              <p:pRg st="4" end="4"/>
-                                            </p:txEl>
-                                          </p:spTgt>
-                                        </p:tgtEl>
-                                        <p:attrNameLst>
-                                          <p:attrName>style.visibility</p:attrName>
-                                        </p:attrNameLst>
-                                      </p:cBhvr>
-                                      <p:to>
-                                        <p:strVal val="visible"/>
-                                      </p:to>
-                                    </p:set>
-                                    <p:animEffect transition="in" filter="fade">
-                                      <p:cBhvr>
-                                        <p:cTn id="22" dur="500"/>
-                                        <p:tgtEl>
-                                          <p:spTgt spid="3">
-                                            <p:txEl>
-                                              <p:pRg st="4" end="4"/>
-                                            </p:txEl>
-                                          </p:spTgt>
-                                        </p:tgtEl>
-                                      </p:cBhvr>
-                                    </p:animEffect>
-                                  </p:childTnLst>
-                                </p:cTn>
-                              </p:par>
-                            </p:childTnLst>
-                          </p:cTn>
-                        </p:par>
-                      </p:childTnLst>
-                    </p:cTn>
-                  </p:par>
-                  <p:par>
-                    <p:cTn id="23" fill="hold">
-                      <p:stCondLst>
-                        <p:cond delay="indefinite"/>
-                      </p:stCondLst>
-                      <p:childTnLst>
-                        <p:par>
-                          <p:cTn id="24" fill="hold">
-                            <p:stCondLst>
-                              <p:cond delay="0"/>
-                            </p:stCondLst>
-                            <p:childTnLst>
-                              <p:par>
-                                <p:cTn id="25" presetID="10" presetClass="entr" presetSubtype="0" fill="hold" grpId="0" nodeType="clickEffect">
-                                  <p:stCondLst>
-                                    <p:cond delay="0"/>
-                                  </p:stCondLst>
-                                  <p:childTnLst>
-                                    <p:set>
-                                      <p:cBhvr>
-                                        <p:cTn id="26" dur="1" fill="hold">
-                                          <p:stCondLst>
-                                            <p:cond delay="0"/>
-                                          </p:stCondLst>
-                                        </p:cTn>
-                                        <p:tgtEl>
-                                          <p:spTgt spid="3">
-                                            <p:txEl>
-                                              <p:pRg st="5" end="5"/>
-                                            </p:txEl>
-                                          </p:spTgt>
-                                        </p:tgtEl>
-                                        <p:attrNameLst>
-                                          <p:attrName>style.visibility</p:attrName>
-                                        </p:attrNameLst>
-                                      </p:cBhvr>
-                                      <p:to>
-                                        <p:strVal val="visible"/>
-                                      </p:to>
-                                    </p:set>
-                                    <p:animEffect transition="in" filter="fade">
-                                      <p:cBhvr>
-                                        <p:cTn id="27" dur="500"/>
-                                        <p:tgtEl>
-                                          <p:spTgt spid="3">
-                                            <p:txEl>
-                                              <p:pRg st="5" end="5"/>
-                                            </p:txEl>
-                                          </p:spTgt>
-                                        </p:tgtEl>
-                                      </p:cBhvr>
-                                    </p:animEffect>
-                                  </p:childTnLst>
-                                </p:cTn>
-                              </p:par>
-                            </p:childTnLst>
-                          </p:cTn>
-                        </p:par>
-                      </p:childTnLst>
-                    </p:cTn>
-                  </p:par>
-                  <p:par>
-                    <p:cTn id="28" fill="hold">
-                      <p:stCondLst>
-                        <p:cond delay="indefinite"/>
-                      </p:stCondLst>
-                      <p:childTnLst>
-                        <p:par>
-                          <p:cTn id="29" fill="hold">
-                            <p:stCondLst>
-                              <p:cond delay="0"/>
-                            </p:stCondLst>
-                            <p:childTnLst>
-                              <p:par>
-                                <p:cTn id="30" presetID="10" presetClass="entr" presetSubtype="0" fill="hold" grpId="0" nodeType="clickEffect">
-                                  <p:stCondLst>
-                                    <p:cond delay="0"/>
-                                  </p:stCondLst>
-                                  <p:childTnLst>
-                                    <p:set>
-                                      <p:cBhvr>
-                                        <p:cTn id="31" dur="1" fill="hold">
-                                          <p:stCondLst>
-                                            <p:cond delay="0"/>
-                                          </p:stCondLst>
-                                        </p:cTn>
-                                        <p:tgtEl>
-                                          <p:spTgt spid="3">
-                                            <p:txEl>
-                                              <p:pRg st="6" end="6"/>
-                                            </p:txEl>
-                                          </p:spTgt>
-                                        </p:tgtEl>
-                                        <p:attrNameLst>
-                                          <p:attrName>style.visibility</p:attrName>
-                                        </p:attrNameLst>
-                                      </p:cBhvr>
-                                      <p:to>
-                                        <p:strVal val="visible"/>
-                                      </p:to>
-                                    </p:set>
-                                    <p:animEffect transition="in" filter="fade">
-                                      <p:cBhvr>
-                                        <p:cTn id="32" dur="500"/>
-                                        <p:tgtEl>
-                                          <p:spTgt spid="3">
-                                            <p:txEl>
-                                              <p:pRg st="6" end="6"/>
-                                            </p:txEl>
-                                          </p:spTgt>
-                                        </p:tgtEl>
-                                      </p:cBhvr>
-                                    </p:animEffect>
-                                  </p:childTnLst>
-                                </p:cTn>
-                              </p:par>
-                            </p:childTnLst>
-                          </p:cTn>
-                        </p:par>
-                      </p:childTnLst>
-                    </p:cTn>
-                  </p:par>
-                </p:childTnLst>
-              </p:cTn>
-              <p:prevCondLst>
-                <p:cond evt="onPrev" delay="0">
-                  <p:tgtEl>
-                    <p:sldTgt/>
-                  </p:tgtEl>
-                </p:cond>
-              </p:prevCondLst>
-              <p:nextCondLst>
-                <p:cond evt="onNext" delay="0">
-                  <p:tgtEl>
-                    <p:sldTgt/>
-                  </p:tgtEl>
-                </p:cond>
-              </p:nextCondLst>
-            </p:seq>
-          </p:childTnLst>
-        </p:cTn>
-      </p:par>
-    </p:tnLst>
-    <p:bldLst>
-      <p:bldP spid="3" grpId="0" uiExpand="1" build="p"/>
-    </p:bldLst>
-  </p:timing>
 </p:sld>
 </file>
 
@@ -5149,13 +4752,13 @@
         </p:nvSpPr>
         <p:spPr>
           <a:xfrm>
-            <a:off x="762000" y="1893456"/>
-            <a:ext cx="9933709" cy="3916218"/>
+            <a:off x="531090" y="1911929"/>
+            <a:ext cx="7310583" cy="3916218"/>
           </a:xfrm>
         </p:spPr>
         <p:txBody>
           <a:bodyPr>
-            <a:normAutofit/>
+            <a:normAutofit lnSpcReduction="10000"/>
           </a:bodyPr>
           <a:lstStyle/>
           <a:p>
@@ -5167,6 +4770,12 @@
           <a:p>
             <a:r>
               <a:rPr lang="en-CA" sz="2000" dirty="0"/>
+              <a:t>Detect fire from uploaded picture.</a:t>
+            </a:r>
+          </a:p>
+          <a:p>
+            <a:r>
+              <a:rPr lang="en-CA" sz="2000" dirty="0"/>
               <a:t>Alarm the fire and display at the interface.</a:t>
             </a:r>
           </a:p>
@@ -5205,6 +4814,36 @@
           </a:p>
         </p:txBody>
       </p:sp>
+      <p:pic>
+        <p:nvPicPr>
+          <p:cNvPr id="9" name="Picture 8">
+            <a:extLst>
+              <a:ext uri="{FF2B5EF4-FFF2-40B4-BE49-F238E27FC236}">
+                <a16:creationId xmlns:a16="http://schemas.microsoft.com/office/drawing/2014/main" id="{C2D82748-1BB2-9220-5A9E-FF74F5C12F09}"/>
+              </a:ext>
+            </a:extLst>
+          </p:cNvPr>
+          <p:cNvPicPr>
+            <a:picLocks noChangeAspect="1"/>
+          </p:cNvPicPr>
+          <p:nvPr/>
+        </p:nvPicPr>
+        <p:blipFill>
+          <a:blip r:embed="rId2"/>
+          <a:stretch>
+            <a:fillRect/>
+          </a:stretch>
+        </p:blipFill>
+        <p:spPr>
+          <a:xfrm>
+            <a:off x="7841673" y="392544"/>
+            <a:ext cx="4257029" cy="4230255"/>
+          </a:xfrm>
+          <a:prstGeom prst="rect">
+            <a:avLst/>
+          </a:prstGeom>
+        </p:spPr>
+      </p:pic>
     </p:spTree>
     <p:extLst>
       <p:ext uri="{BB962C8B-B14F-4D97-AF65-F5344CB8AC3E}">
@@ -5944,6 +5583,109 @@
                       </p:childTnLst>
                     </p:cTn>
                   </p:par>
+                  <p:par>
+                    <p:cTn id="45" fill="hold">
+                      <p:stCondLst>
+                        <p:cond delay="indefinite"/>
+                      </p:stCondLst>
+                      <p:childTnLst>
+                        <p:par>
+                          <p:cTn id="46" fill="hold">
+                            <p:stCondLst>
+                              <p:cond delay="0"/>
+                            </p:stCondLst>
+                            <p:childTnLst>
+                              <p:par>
+                                <p:cTn id="47" presetID="2" presetClass="entr" presetSubtype="4" fill="hold" grpId="0" nodeType="clickEffect">
+                                  <p:stCondLst>
+                                    <p:cond delay="0"/>
+                                  </p:stCondLst>
+                                  <p:childTnLst>
+                                    <p:set>
+                                      <p:cBhvr>
+                                        <p:cTn id="48" dur="1" fill="hold">
+                                          <p:stCondLst>
+                                            <p:cond delay="0"/>
+                                          </p:stCondLst>
+                                        </p:cTn>
+                                        <p:tgtEl>
+                                          <p:spTgt spid="3">
+                                            <p:txEl>
+                                              <p:pRg st="7" end="7"/>
+                                            </p:txEl>
+                                          </p:spTgt>
+                                        </p:tgtEl>
+                                        <p:attrNameLst>
+                                          <p:attrName>style.visibility</p:attrName>
+                                        </p:attrNameLst>
+                                      </p:cBhvr>
+                                      <p:to>
+                                        <p:strVal val="visible"/>
+                                      </p:to>
+                                    </p:set>
+                                    <p:anim calcmode="lin" valueType="num">
+                                      <p:cBhvr additive="base">
+                                        <p:cTn id="49" dur="500" fill="hold"/>
+                                        <p:tgtEl>
+                                          <p:spTgt spid="3">
+                                            <p:txEl>
+                                              <p:pRg st="7" end="7"/>
+                                            </p:txEl>
+                                          </p:spTgt>
+                                        </p:tgtEl>
+                                        <p:attrNameLst>
+                                          <p:attrName>ppt_x</p:attrName>
+                                        </p:attrNameLst>
+                                      </p:cBhvr>
+                                      <p:tavLst>
+                                        <p:tav tm="0">
+                                          <p:val>
+                                            <p:strVal val="#ppt_x"/>
+                                          </p:val>
+                                        </p:tav>
+                                        <p:tav tm="100000">
+                                          <p:val>
+                                            <p:strVal val="#ppt_x"/>
+                                          </p:val>
+                                        </p:tav>
+                                      </p:tavLst>
+                                    </p:anim>
+                                    <p:anim calcmode="lin" valueType="num">
+                                      <p:cBhvr additive="base">
+                                        <p:cTn id="50" dur="500" fill="hold"/>
+                                        <p:tgtEl>
+                                          <p:spTgt spid="3">
+                                            <p:txEl>
+                                              <p:pRg st="7" end="7"/>
+                                            </p:txEl>
+                                          </p:spTgt>
+                                        </p:tgtEl>
+                                        <p:attrNameLst>
+                                          <p:attrName>ppt_y</p:attrName>
+                                        </p:attrNameLst>
+                                      </p:cBhvr>
+                                      <p:tavLst>
+                                        <p:tav tm="0">
+                                          <p:val>
+                                            <p:strVal val="1+#ppt_h/2"/>
+                                          </p:val>
+                                        </p:tav>
+                                        <p:tav tm="100000">
+                                          <p:val>
+                                            <p:strVal val="#ppt_y"/>
+                                          </p:val>
+                                        </p:tav>
+                                      </p:tavLst>
+                                    </p:anim>
+                                  </p:childTnLst>
+                                </p:cTn>
+                              </p:par>
+                            </p:childTnLst>
+                          </p:cTn>
+                        </p:par>
+                      </p:childTnLst>
+                    </p:cTn>
+                  </p:par>
                 </p:childTnLst>
               </p:cTn>
               <p:prevCondLst>
@@ -6017,7 +5759,7 @@
           <a:p>
             <a:r>
               <a:rPr lang="en-CA" dirty="0"/>
-              <a:t>Team Challenges</a:t>
+              <a:t>Challenges</a:t>
             </a:r>
           </a:p>
         </p:txBody>
@@ -6046,7 +5788,7 @@
         </p:spPr>
         <p:txBody>
           <a:bodyPr>
-            <a:normAutofit lnSpcReduction="10000"/>
+            <a:normAutofit/>
           </a:bodyPr>
           <a:lstStyle/>
           <a:p>
@@ -6058,23 +5800,26 @@
           <a:p>
             <a:r>
               <a:rPr lang="en-CA" sz="2000" dirty="0"/>
-              <a:t>Due to computer power, using transfer learning from a CNN pretrain model.</a:t>
+              <a:t>Not able to deploy the model to Heroku due to the app and the dependency size hit the Heroku limit of 500 mega byte (need a paid account to do this), might fix the problem if there were more member in the team.</a:t>
             </a:r>
           </a:p>
           <a:p>
             <a:r>
               <a:rPr lang="en-CA" sz="2000" dirty="0"/>
-              <a:t>Not able to deploy the model to Heroku due to the model size hit the Heroku limit of 500 mega byte, could solve the problem if there are more members in the team.</a:t>
+              <a:t>Very time consuming on trouble-shooting errors during coding and debug period,  can take week to fix one small issue, but I learn a lot from the trouble-shooting.</a:t>
             </a:r>
           </a:p>
           <a:p>
             <a:pPr marL="0" indent="0">
               <a:buNone/>
             </a:pPr>
-            <a:r>
-              <a:rPr lang="en-CA" sz="2000" dirty="0"/>
-              <a:t>.  Very time consuming on trouble-shooting errors during coding and debug period, can take week to fix one small issue.</a:t>
-            </a:r>
+            <a:endParaRPr lang="en-CA" sz="2000" dirty="0"/>
+          </a:p>
+          <a:p>
+            <a:pPr marL="0" indent="0">
+              <a:buNone/>
+            </a:pPr>
+            <a:endParaRPr lang="en-CA" sz="2000" dirty="0"/>
           </a:p>
           <a:p>
             <a:endParaRPr lang="en-CA" sz="2000" dirty="0"/>
@@ -6408,109 +6153,6 @@
                       </p:childTnLst>
                     </p:cTn>
                   </p:par>
-                  <p:par>
-                    <p:cTn id="21" fill="hold">
-                      <p:stCondLst>
-                        <p:cond delay="indefinite"/>
-                      </p:stCondLst>
-                      <p:childTnLst>
-                        <p:par>
-                          <p:cTn id="22" fill="hold">
-                            <p:stCondLst>
-                              <p:cond delay="0"/>
-                            </p:stCondLst>
-                            <p:childTnLst>
-                              <p:par>
-                                <p:cTn id="23" presetID="2" presetClass="entr" presetSubtype="4" fill="hold" grpId="0" nodeType="clickEffect">
-                                  <p:stCondLst>
-                                    <p:cond delay="0"/>
-                                  </p:stCondLst>
-                                  <p:childTnLst>
-                                    <p:set>
-                                      <p:cBhvr>
-                                        <p:cTn id="24" dur="1" fill="hold">
-                                          <p:stCondLst>
-                                            <p:cond delay="0"/>
-                                          </p:stCondLst>
-                                        </p:cTn>
-                                        <p:tgtEl>
-                                          <p:spTgt spid="3">
-                                            <p:txEl>
-                                              <p:pRg st="3" end="3"/>
-                                            </p:txEl>
-                                          </p:spTgt>
-                                        </p:tgtEl>
-                                        <p:attrNameLst>
-                                          <p:attrName>style.visibility</p:attrName>
-                                        </p:attrNameLst>
-                                      </p:cBhvr>
-                                      <p:to>
-                                        <p:strVal val="visible"/>
-                                      </p:to>
-                                    </p:set>
-                                    <p:anim calcmode="lin" valueType="num">
-                                      <p:cBhvr additive="base">
-                                        <p:cTn id="25" dur="500" fill="hold"/>
-                                        <p:tgtEl>
-                                          <p:spTgt spid="3">
-                                            <p:txEl>
-                                              <p:pRg st="3" end="3"/>
-                                            </p:txEl>
-                                          </p:spTgt>
-                                        </p:tgtEl>
-                                        <p:attrNameLst>
-                                          <p:attrName>ppt_x</p:attrName>
-                                        </p:attrNameLst>
-                                      </p:cBhvr>
-                                      <p:tavLst>
-                                        <p:tav tm="0">
-                                          <p:val>
-                                            <p:strVal val="#ppt_x"/>
-                                          </p:val>
-                                        </p:tav>
-                                        <p:tav tm="100000">
-                                          <p:val>
-                                            <p:strVal val="#ppt_x"/>
-                                          </p:val>
-                                        </p:tav>
-                                      </p:tavLst>
-                                    </p:anim>
-                                    <p:anim calcmode="lin" valueType="num">
-                                      <p:cBhvr additive="base">
-                                        <p:cTn id="26" dur="500" fill="hold"/>
-                                        <p:tgtEl>
-                                          <p:spTgt spid="3">
-                                            <p:txEl>
-                                              <p:pRg st="3" end="3"/>
-                                            </p:txEl>
-                                          </p:spTgt>
-                                        </p:tgtEl>
-                                        <p:attrNameLst>
-                                          <p:attrName>ppt_y</p:attrName>
-                                        </p:attrNameLst>
-                                      </p:cBhvr>
-                                      <p:tavLst>
-                                        <p:tav tm="0">
-                                          <p:val>
-                                            <p:strVal val="1+#ppt_h/2"/>
-                                          </p:val>
-                                        </p:tav>
-                                        <p:tav tm="100000">
-                                          <p:val>
-                                            <p:strVal val="#ppt_y"/>
-                                          </p:val>
-                                        </p:tav>
-                                      </p:tavLst>
-                                    </p:anim>
-                                  </p:childTnLst>
-                                </p:cTn>
-                              </p:par>
-                            </p:childTnLst>
-                          </p:cTn>
-                        </p:par>
-                      </p:childTnLst>
-                    </p:cTn>
-                  </p:par>
                 </p:childTnLst>
               </p:cTn>
               <p:prevCondLst>
@@ -6629,12 +6271,6 @@
             <a:r>
               <a:rPr lang="en-CA" sz="2000" dirty="0"/>
               <a:t>Log the history of the alarms.</a:t>
-            </a:r>
-          </a:p>
-          <a:p>
-            <a:r>
-              <a:rPr lang="en-CA" sz="2000" dirty="0"/>
-              <a:t>Make the threshold of fire adjustable. </a:t>
             </a:r>
           </a:p>
           <a:p>
@@ -7087,109 +6723,6 @@
                       </p:childTnLst>
                     </p:cTn>
                   </p:par>
-                  <p:par>
-                    <p:cTn id="27" fill="hold">
-                      <p:stCondLst>
-                        <p:cond delay="indefinite"/>
-                      </p:stCondLst>
-                      <p:childTnLst>
-                        <p:par>
-                          <p:cTn id="28" fill="hold">
-                            <p:stCondLst>
-                              <p:cond delay="0"/>
-                            </p:stCondLst>
-                            <p:childTnLst>
-                              <p:par>
-                                <p:cTn id="29" presetID="2" presetClass="entr" presetSubtype="4" fill="hold" grpId="0" nodeType="clickEffect">
-                                  <p:stCondLst>
-                                    <p:cond delay="0"/>
-                                  </p:stCondLst>
-                                  <p:childTnLst>
-                                    <p:set>
-                                      <p:cBhvr>
-                                        <p:cTn id="30" dur="1" fill="hold">
-                                          <p:stCondLst>
-                                            <p:cond delay="0"/>
-                                          </p:stCondLst>
-                                        </p:cTn>
-                                        <p:tgtEl>
-                                          <p:spTgt spid="3">
-                                            <p:txEl>
-                                              <p:pRg st="5" end="5"/>
-                                            </p:txEl>
-                                          </p:spTgt>
-                                        </p:tgtEl>
-                                        <p:attrNameLst>
-                                          <p:attrName>style.visibility</p:attrName>
-                                        </p:attrNameLst>
-                                      </p:cBhvr>
-                                      <p:to>
-                                        <p:strVal val="visible"/>
-                                      </p:to>
-                                    </p:set>
-                                    <p:anim calcmode="lin" valueType="num">
-                                      <p:cBhvr additive="base">
-                                        <p:cTn id="31" dur="500" fill="hold"/>
-                                        <p:tgtEl>
-                                          <p:spTgt spid="3">
-                                            <p:txEl>
-                                              <p:pRg st="5" end="5"/>
-                                            </p:txEl>
-                                          </p:spTgt>
-                                        </p:tgtEl>
-                                        <p:attrNameLst>
-                                          <p:attrName>ppt_x</p:attrName>
-                                        </p:attrNameLst>
-                                      </p:cBhvr>
-                                      <p:tavLst>
-                                        <p:tav tm="0">
-                                          <p:val>
-                                            <p:strVal val="#ppt_x"/>
-                                          </p:val>
-                                        </p:tav>
-                                        <p:tav tm="100000">
-                                          <p:val>
-                                            <p:strVal val="#ppt_x"/>
-                                          </p:val>
-                                        </p:tav>
-                                      </p:tavLst>
-                                    </p:anim>
-                                    <p:anim calcmode="lin" valueType="num">
-                                      <p:cBhvr additive="base">
-                                        <p:cTn id="32" dur="500" fill="hold"/>
-                                        <p:tgtEl>
-                                          <p:spTgt spid="3">
-                                            <p:txEl>
-                                              <p:pRg st="5" end="5"/>
-                                            </p:txEl>
-                                          </p:spTgt>
-                                        </p:tgtEl>
-                                        <p:attrNameLst>
-                                          <p:attrName>ppt_y</p:attrName>
-                                        </p:attrNameLst>
-                                      </p:cBhvr>
-                                      <p:tavLst>
-                                        <p:tav tm="0">
-                                          <p:val>
-                                            <p:strVal val="1+#ppt_h/2"/>
-                                          </p:val>
-                                        </p:tav>
-                                        <p:tav tm="100000">
-                                          <p:val>
-                                            <p:strVal val="#ppt_y"/>
-                                          </p:val>
-                                        </p:tav>
-                                      </p:tavLst>
-                                    </p:anim>
-                                  </p:childTnLst>
-                                </p:cTn>
-                              </p:par>
-                            </p:childTnLst>
-                          </p:cTn>
-                        </p:par>
-                      </p:childTnLst>
-                    </p:cTn>
-                  </p:par>
                 </p:childTnLst>
               </p:cTn>
               <p:prevCondLst>
@@ -7303,6 +6836,21 @@
               <a:t>http://localhost:8501/</a:t>
             </a:r>
             <a:endParaRPr lang="en-CA" sz="2000" dirty="0"/>
+          </a:p>
+          <a:p>
+            <a:endParaRPr lang="en-CA" sz="2000" dirty="0"/>
+          </a:p>
+          <a:p>
+            <a:r>
+              <a:rPr lang="en-CA" sz="2000" dirty="0">
+                <a:hlinkClick r:id="rId3"/>
+              </a:rPr>
+              <a:t>https://firedetectionapp.herokuapp.com/</a:t>
+            </a:r>
+            <a:r>
+              <a:rPr lang="en-CA" sz="2000" dirty="0"/>
+              <a:t> (need upgraded Heroku account)</a:t>
+            </a:r>
           </a:p>
           <a:p>
             <a:endParaRPr lang="en-CA" sz="2000" dirty="0"/>
